--- a/building-ai-applications/ready/06__LLMWithSemanticSearch.pptx
+++ b/building-ai-applications/ready/06__LLMWithSemanticSearch.pptx
@@ -5,39 +5,39 @@
     <p:sldMasterId id="2147483651" r:id="rId1"/>
   </p:sldMasterIdLst>
   <p:notesMasterIdLst>
-    <p:notesMasterId r:id="rId29"/>
+    <p:notesMasterId r:id="rId2"/>
   </p:notesMasterIdLst>
   <p:handoutMasterIdLst>
-    <p:handoutMasterId r:id="rId30"/>
+    <p:handoutMasterId r:id="rId3"/>
   </p:handoutMasterIdLst>
   <p:sldIdLst>
-    <p:sldId id="256" r:id="rId2"/>
-    <p:sldId id="257" r:id="rId3"/>
-    <p:sldId id="258" r:id="rId4"/>
-    <p:sldId id="259" r:id="rId5"/>
-    <p:sldId id="260" r:id="rId6"/>
-    <p:sldId id="261" r:id="rId7"/>
-    <p:sldId id="262" r:id="rId8"/>
-    <p:sldId id="263" r:id="rId9"/>
-    <p:sldId id="264" r:id="rId10"/>
-    <p:sldId id="265" r:id="rId11"/>
-    <p:sldId id="266" r:id="rId12"/>
-    <p:sldId id="267" r:id="rId13"/>
-    <p:sldId id="268" r:id="rId14"/>
-    <p:sldId id="269" r:id="rId15"/>
-    <p:sldId id="270" r:id="rId16"/>
-    <p:sldId id="271" r:id="rId17"/>
-    <p:sldId id="272" r:id="rId18"/>
-    <p:sldId id="273" r:id="rId19"/>
-    <p:sldId id="274" r:id="rId20"/>
-    <p:sldId id="275" r:id="rId21"/>
-    <p:sldId id="276" r:id="rId22"/>
-    <p:sldId id="277" r:id="rId23"/>
-    <p:sldId id="278" r:id="rId24"/>
-    <p:sldId id="279" r:id="rId25"/>
-    <p:sldId id="280" r:id="rId26"/>
-    <p:sldId id="281" r:id="rId27"/>
-    <p:sldId id="282" r:id="rId28"/>
+    <p:sldId id="256" r:id="rId9"/>
+    <p:sldId id="257" r:id="rId10"/>
+    <p:sldId id="258" r:id="rId11"/>
+    <p:sldId id="259" r:id="rId12"/>
+    <p:sldId id="260" r:id="rId13"/>
+    <p:sldId id="261" r:id="rId14"/>
+    <p:sldId id="262" r:id="rId15"/>
+    <p:sldId id="263" r:id="rId16"/>
+    <p:sldId id="264" r:id="rId17"/>
+    <p:sldId id="265" r:id="rId18"/>
+    <p:sldId id="266" r:id="rId19"/>
+    <p:sldId id="267" r:id="rId20"/>
+    <p:sldId id="268" r:id="rId21"/>
+    <p:sldId id="269" r:id="rId22"/>
+    <p:sldId id="270" r:id="rId23"/>
+    <p:sldId id="271" r:id="rId24"/>
+    <p:sldId id="272" r:id="rId25"/>
+    <p:sldId id="273" r:id="rId26"/>
+    <p:sldId id="274" r:id="rId27"/>
+    <p:sldId id="275" r:id="rId28"/>
+    <p:sldId id="276" r:id="rId29"/>
+    <p:sldId id="277" r:id="rId30"/>
+    <p:sldId id="278" r:id="rId31"/>
+    <p:sldId id="279" r:id="rId32"/>
+    <p:sldId id="280" r:id="rId33"/>
+    <p:sldId id="281" r:id="rId34"/>
+    <p:sldId id="282" r:id="rId35"/>
   </p:sldIdLst>
   <p:sldSz cx="9372600" cy="8297863"/>
   <p:notesSz cx="7315200" cy="9601200"/>
@@ -205,7 +205,9 @@
   <p:cmAuthor id="2" name="Mark Kerzner" initials="MK" lastIdx="6" clrIdx="1"/>
   <p:cmAuthor id="3" name="Mary Beth Conlee" initials="MBC" lastIdx="7" clrIdx="2"/>
   <p:cmAuthor id="4" name="Michelle" initials="M" lastIdx="5" clrIdx="3"/>
-  <p:cmAuthor id="5" name="Tricia Murphy" initials="TM" lastIdx="4" clrIdx="4"/>
+  <p:cmAuthor id="5" name="Tricia Murphy" initials="TM" lastIdx="4" clrIdx="4">
+    <p:extLst/>
+  </p:cmAuthor>
 </p:cmAuthorLst>
 </file>
 
@@ -2288,7 +2290,7 @@
 </file>
 
 <file path=ppt/slides/slide1.xml><?xml version="1.0" encoding="utf-8"?>
-<p:sld xmlns:a="http://schemas.openxmlformats.org/drawingml/2006/main" xmlns:r="http://schemas.openxmlformats.org/officeDocument/2006/relationships" xmlns:p="http://schemas.openxmlformats.org/presentationml/2006/main">
+<p:sld xmlns:a="http://schemas.openxmlformats.org/drawingml/2006/main" xmlns:p="http://schemas.openxmlformats.org/presentationml/2006/main" xmlns:r="http://schemas.openxmlformats.org/officeDocument/2006/relationships">
   <p:cSld>
     <p:spTree>
       <p:nvGrpSpPr>
@@ -2296,14 +2298,7 @@
         <p:cNvGrpSpPr/>
         <p:nvPr/>
       </p:nvGrpSpPr>
-      <p:grpSpPr>
-        <a:xfrm>
-          <a:off x="0" y="0"/>
-          <a:ext cx="0" cy="0"/>
-          <a:chOff x="0" y="0"/>
-          <a:chExt cx="0" cy="0"/>
-        </a:xfrm>
-      </p:grpSpPr>
+      <p:grpSpPr/>
       <p:sp>
         <p:nvSpPr>
           <p:cNvPr id="2" name="Subtitle 1"/>
@@ -2311,7 +2306,7 @@
             <a:spLocks noGrp="1"/>
           </p:cNvSpPr>
           <p:nvPr>
-            <p:ph type="subTitle" sz="quarter" idx="1"/>
+            <p:ph type="subTitle" idx="1" sz="quarter"/>
           </p:nvPr>
         </p:nvSpPr>
         <p:spPr/>
@@ -2371,6 +2366,9 @@
               </a:rPr>
               <a:t>LLM with semantic search</a:t>
             </a:r>
+            <a:endParaRPr sz="4200" b="1" i="0">
+              <a:latin typeface="Times New Roman"/>
+            </a:endParaRPr>
           </a:p>
         </p:txBody>
       </p:sp>
@@ -2416,7 +2414,7 @@
 </file>
 
 <file path=ppt/slides/slide10.xml><?xml version="1.0" encoding="utf-8"?>
-<p:sld xmlns:a="http://schemas.openxmlformats.org/drawingml/2006/main" xmlns:r="http://schemas.openxmlformats.org/officeDocument/2006/relationships" xmlns:p="http://schemas.openxmlformats.org/presentationml/2006/main">
+<p:sld xmlns:a="http://schemas.openxmlformats.org/drawingml/2006/main" xmlns:p="http://schemas.openxmlformats.org/presentationml/2006/main" xmlns:r="http://schemas.openxmlformats.org/officeDocument/2006/relationships">
   <p:cSld>
     <p:spTree>
       <p:nvGrpSpPr>
@@ -2424,14 +2422,7 @@
         <p:cNvGrpSpPr/>
         <p:nvPr/>
       </p:nvGrpSpPr>
-      <p:grpSpPr>
-        <a:xfrm>
-          <a:off x="0" y="0"/>
-          <a:ext cx="0" cy="0"/>
-          <a:chOff x="0" y="0"/>
-          <a:chExt cx="0" cy="0"/>
-        </a:xfrm>
-      </p:grpSpPr>
+      <p:grpSpPr/>
       <p:sp>
         <p:nvSpPr>
           <p:cNvPr id="2" name="Title 1"/>
@@ -2469,31 +2460,22 @@
           <a:lstStyle/>
           <a:p>
             <a:r>
-              <a:rPr dirty="0"/>
               <a:t> Import required libraries:</a:t>
             </a:r>
-            <a:endParaRPr lang="en-US" dirty="0"/>
-          </a:p>
-          <a:p>
-            <a:endParaRPr dirty="0"/>
-          </a:p>
-          <a:p>
-            <a:endParaRPr dirty="0"/>
-          </a:p>
-          <a:p>
-            <a:r>
-              <a:rPr b="1" dirty="0"/>
+          </a:p>
+          <a:p/>
+          <a:p>
+            <a:r>
+              <a:rPr b="1"/>
               <a:t> Key Insight</a:t>
             </a:r>
             <a:r>
-              <a:rPr dirty="0"/>
               <a:t> :</a:t>
             </a:r>
           </a:p>
           <a:p>
             <a:pPr lvl="1"/>
             <a:r>
-              <a:rPr dirty="0"/>
               <a:t> OpenAI embeddings provide pre-trained, high-quality representations for semantic understanding.</a:t>
             </a:r>
           </a:p>
@@ -2548,8 +2530,8 @@
         </p:blipFill>
         <p:spPr>
           <a:xfrm>
-            <a:off x="704088" y="1634331"/>
-            <a:ext cx="8178800" cy="495300"/>
+            <a:off x="0" y="1353312"/>
+            <a:ext cx="8178800" cy="520700"/>
           </a:xfrm>
           <a:prstGeom prst="rect">
             <a:avLst/>
@@ -2565,7 +2547,7 @@
 </file>
 
 <file path=ppt/slides/slide11.xml><?xml version="1.0" encoding="utf-8"?>
-<p:sld xmlns:a="http://schemas.openxmlformats.org/drawingml/2006/main" xmlns:r="http://schemas.openxmlformats.org/officeDocument/2006/relationships" xmlns:p="http://schemas.openxmlformats.org/presentationml/2006/main">
+<p:sld xmlns:a="http://schemas.openxmlformats.org/drawingml/2006/main" xmlns:p="http://schemas.openxmlformats.org/presentationml/2006/main" xmlns:r="http://schemas.openxmlformats.org/officeDocument/2006/relationships">
   <p:cSld>
     <p:spTree>
       <p:nvGrpSpPr>
@@ -2573,14 +2555,7 @@
         <p:cNvGrpSpPr/>
         <p:nvPr/>
       </p:nvGrpSpPr>
-      <p:grpSpPr>
-        <a:xfrm>
-          <a:off x="0" y="0"/>
-          <a:ext cx="0" cy="0"/>
-          <a:chOff x="0" y="0"/>
-          <a:chExt cx="0" cy="0"/>
-        </a:xfrm>
-      </p:grpSpPr>
+      <p:grpSpPr/>
       <p:sp>
         <p:nvSpPr>
           <p:cNvPr id="2" name="Title 1"/>
@@ -2618,41 +2593,29 @@
           <a:lstStyle/>
           <a:p>
             <a:r>
-              <a:rPr dirty="0"/>
               <a:t> Example of generating embeddings for text:</a:t>
             </a:r>
-            <a:endParaRPr lang="en-US" dirty="0"/>
-          </a:p>
-          <a:p>
-            <a:endParaRPr dirty="0"/>
-          </a:p>
-          <a:p>
-            <a:endParaRPr dirty="0"/>
-          </a:p>
-          <a:p>
-            <a:endParaRPr dirty="0"/>
-          </a:p>
-          <a:p>
-            <a:r>
-              <a:rPr b="1" dirty="0"/>
+          </a:p>
+          <a:p/>
+          <a:p/>
+          <a:p>
+            <a:r>
+              <a:rPr b="1"/>
               <a:t> What happens here</a:t>
             </a:r>
             <a:r>
-              <a:rPr dirty="0"/>
               <a:t> :</a:t>
             </a:r>
           </a:p>
           <a:p>
             <a:pPr lvl="1"/>
             <a:r>
-              <a:rPr dirty="0"/>
               <a:t> The text is mapped to a high-dimensional vector space.</a:t>
             </a:r>
           </a:p>
           <a:p>
             <a:pPr lvl="1"/>
             <a:r>
-              <a:rPr dirty="0"/>
               <a:t> Similar texts have closer embeddings, enabling semantic similarity comparisons.</a:t>
             </a:r>
           </a:p>
@@ -2707,8 +2670,8 @@
         </p:blipFill>
         <p:spPr>
           <a:xfrm>
-            <a:off x="705499" y="1634331"/>
-            <a:ext cx="8019401" cy="760460"/>
+            <a:off x="0" y="1353312"/>
+            <a:ext cx="10312400" cy="1054100"/>
           </a:xfrm>
           <a:prstGeom prst="rect">
             <a:avLst/>
@@ -2724,7 +2687,7 @@
 </file>
 
 <file path=ppt/slides/slide12.xml><?xml version="1.0" encoding="utf-8"?>
-<p:sld xmlns:a="http://schemas.openxmlformats.org/drawingml/2006/main" xmlns:r="http://schemas.openxmlformats.org/officeDocument/2006/relationships" xmlns:p="http://schemas.openxmlformats.org/presentationml/2006/main">
+<p:sld xmlns:a="http://schemas.openxmlformats.org/drawingml/2006/main" xmlns:p="http://schemas.openxmlformats.org/presentationml/2006/main" xmlns:r="http://schemas.openxmlformats.org/officeDocument/2006/relationships">
   <p:cSld>
     <p:spTree>
       <p:nvGrpSpPr>
@@ -2732,14 +2695,7 @@
         <p:cNvGrpSpPr/>
         <p:nvPr/>
       </p:nvGrpSpPr>
-      <p:grpSpPr>
-        <a:xfrm>
-          <a:off x="0" y="0"/>
-          <a:ext cx="0" cy="0"/>
-          <a:chOff x="0" y="0"/>
-          <a:chExt cx="0" cy="0"/>
-        </a:xfrm>
-      </p:grpSpPr>
+      <p:grpSpPr/>
       <p:sp>
         <p:nvSpPr>
           <p:cNvPr id="2" name="Title 1"/>
@@ -2777,36 +2733,25 @@
           <a:lstStyle/>
           <a:p>
             <a:r>
-              <a:rPr dirty="0"/>
               <a:t> Use dimensionality reduction to visualize embeddings:</a:t>
             </a:r>
           </a:p>
-          <a:p>
-            <a:endParaRPr dirty="0"/>
-          </a:p>
-          <a:p>
-            <a:endParaRPr dirty="0"/>
-          </a:p>
-          <a:p>
-            <a:endParaRPr dirty="0"/>
-          </a:p>
-          <a:p>
-            <a:endParaRPr dirty="0"/>
-          </a:p>
-          <a:p>
-            <a:r>
-              <a:rPr b="1" dirty="0"/>
+          <a:p/>
+          <a:p/>
+          <a:p/>
+          <a:p/>
+          <a:p>
+            <a:r>
+              <a:rPr b="1"/>
               <a:t> Why visualization matters</a:t>
             </a:r>
             <a:r>
-              <a:rPr dirty="0"/>
               <a:t> :</a:t>
             </a:r>
           </a:p>
           <a:p>
             <a:pPr lvl="1"/>
             <a:r>
-              <a:rPr dirty="0"/>
               <a:t> Helps understand how embeddings group similar texts in vector space.</a:t>
             </a:r>
           </a:p>
@@ -2861,8 +2806,8 @@
         </p:blipFill>
         <p:spPr>
           <a:xfrm>
-            <a:off x="704088" y="1558130"/>
-            <a:ext cx="8325612" cy="1461573"/>
+            <a:off x="0" y="1353312"/>
+            <a:ext cx="8915400" cy="1712609"/>
           </a:xfrm>
           <a:prstGeom prst="rect">
             <a:avLst/>
@@ -2878,7 +2823,7 @@
 </file>
 
 <file path=ppt/slides/slide13.xml><?xml version="1.0" encoding="utf-8"?>
-<p:sld xmlns:a="http://schemas.openxmlformats.org/drawingml/2006/main" xmlns:r="http://schemas.openxmlformats.org/officeDocument/2006/relationships" xmlns:p="http://schemas.openxmlformats.org/presentationml/2006/main">
+<p:sld xmlns:a="http://schemas.openxmlformats.org/drawingml/2006/main" xmlns:p="http://schemas.openxmlformats.org/presentationml/2006/main" xmlns:r="http://schemas.openxmlformats.org/officeDocument/2006/relationships">
   <p:cSld>
     <p:spTree>
       <p:nvGrpSpPr>
@@ -2886,14 +2831,7 @@
         <p:cNvGrpSpPr/>
         <p:nvPr/>
       </p:nvGrpSpPr>
-      <p:grpSpPr>
-        <a:xfrm>
-          <a:off x="0" y="0"/>
-          <a:ext cx="0" cy="0"/>
-          <a:chOff x="0" y="0"/>
-          <a:chExt cx="0" cy="0"/>
-        </a:xfrm>
-      </p:grpSpPr>
+      <p:grpSpPr/>
       <p:sp>
         <p:nvSpPr>
           <p:cNvPr id="2" name="Title 1"/>
@@ -3005,7 +2943,7 @@
 </file>
 
 <file path=ppt/slides/slide14.xml><?xml version="1.0" encoding="utf-8"?>
-<p:sld xmlns:a="http://schemas.openxmlformats.org/drawingml/2006/main" xmlns:r="http://schemas.openxmlformats.org/officeDocument/2006/relationships" xmlns:p="http://schemas.openxmlformats.org/presentationml/2006/main">
+<p:sld xmlns:a="http://schemas.openxmlformats.org/drawingml/2006/main" xmlns:p="http://schemas.openxmlformats.org/presentationml/2006/main" xmlns:r="http://schemas.openxmlformats.org/officeDocument/2006/relationships">
   <p:cSld>
     <p:spTree>
       <p:nvGrpSpPr>
@@ -3013,14 +2951,7 @@
         <p:cNvGrpSpPr/>
         <p:nvPr/>
       </p:nvGrpSpPr>
-      <p:grpSpPr>
-        <a:xfrm>
-          <a:off x="0" y="0"/>
-          <a:ext cx="0" cy="0"/>
-          <a:chOff x="0" y="0"/>
-          <a:chExt cx="0" cy="0"/>
-        </a:xfrm>
-      </p:grpSpPr>
+      <p:grpSpPr/>
       <p:sp>
         <p:nvSpPr>
           <p:cNvPr id="2" name="Subtitle 1"/>
@@ -3028,7 +2959,7 @@
             <a:spLocks noGrp="1"/>
           </p:cNvSpPr>
           <p:nvPr>
-            <p:ph type="subTitle" sz="quarter" idx="1"/>
+            <p:ph type="subTitle" idx="1" sz="quarter"/>
           </p:nvPr>
         </p:nvSpPr>
         <p:spPr/>
@@ -3041,7 +2972,10 @@
             </a:pPr>
             <a:r>
               <a:t>Keyword Search
-Embeddings
+</a:t>
+            </a:r>
+            <a:r>
+              <a:t>Embeddings
 </a:t>
             </a:r>
             <a:r>
@@ -3051,7 +2985,10 @@
             </a:r>
             <a:r>
               <a:t>ReRank
-Generating Answers
+</a:t>
+            </a:r>
+            <a:r>
+              <a:t>Generating Answers
 </a:t>
             </a:r>
           </a:p>
@@ -3080,6 +3017,9 @@
               </a:rPr>
               <a:t>Dense Retrieval</a:t>
             </a:r>
+            <a:endParaRPr sz="4200" b="1" i="0">
+              <a:latin typeface="Times New Roman"/>
+            </a:endParaRPr>
           </a:p>
         </p:txBody>
       </p:sp>
@@ -3125,7 +3065,7 @@
 </file>
 
 <file path=ppt/slides/slide15.xml><?xml version="1.0" encoding="utf-8"?>
-<p:sld xmlns:a="http://schemas.openxmlformats.org/drawingml/2006/main" xmlns:r="http://schemas.openxmlformats.org/officeDocument/2006/relationships" xmlns:p="http://schemas.openxmlformats.org/presentationml/2006/main">
+<p:sld xmlns:a="http://schemas.openxmlformats.org/drawingml/2006/main" xmlns:p="http://schemas.openxmlformats.org/presentationml/2006/main" xmlns:r="http://schemas.openxmlformats.org/officeDocument/2006/relationships">
   <p:cSld>
     <p:spTree>
       <p:nvGrpSpPr>
@@ -3133,14 +3073,7 @@
         <p:cNvGrpSpPr/>
         <p:nvPr/>
       </p:nvGrpSpPr>
-      <p:grpSpPr>
-        <a:xfrm>
-          <a:off x="0" y="0"/>
-          <a:ext cx="0" cy="0"/>
-          <a:chOff x="0" y="0"/>
-          <a:chExt cx="0" cy="0"/>
-        </a:xfrm>
-      </p:grpSpPr>
+      <p:grpSpPr/>
       <p:sp>
         <p:nvSpPr>
           <p:cNvPr id="2" name="Title 1"/>
@@ -3261,7 +3194,7 @@
 </file>
 
 <file path=ppt/slides/slide16.xml><?xml version="1.0" encoding="utf-8"?>
-<p:sld xmlns:a="http://schemas.openxmlformats.org/drawingml/2006/main" xmlns:r="http://schemas.openxmlformats.org/officeDocument/2006/relationships" xmlns:p="http://schemas.openxmlformats.org/presentationml/2006/main">
+<p:sld xmlns:a="http://schemas.openxmlformats.org/drawingml/2006/main" xmlns:p="http://schemas.openxmlformats.org/presentationml/2006/main" xmlns:r="http://schemas.openxmlformats.org/officeDocument/2006/relationships">
   <p:cSld>
     <p:spTree>
       <p:nvGrpSpPr>
@@ -3269,14 +3202,7 @@
         <p:cNvGrpSpPr/>
         <p:nvPr/>
       </p:nvGrpSpPr>
-      <p:grpSpPr>
-        <a:xfrm>
-          <a:off x="0" y="0"/>
-          <a:ext cx="0" cy="0"/>
-          <a:chOff x="0" y="0"/>
-          <a:chExt cx="0" cy="0"/>
-        </a:xfrm>
-      </p:grpSpPr>
+      <p:grpSpPr/>
       <p:sp>
         <p:nvSpPr>
           <p:cNvPr id="2" name="Title 1"/>
@@ -3314,30 +3240,23 @@
           <a:lstStyle/>
           <a:p>
             <a:r>
-              <a:rPr dirty="0"/>
               <a:t> Example of retrieving documents based on query embeddings:</a:t>
             </a:r>
           </a:p>
-          <a:p>
-            <a:endParaRPr dirty="0"/>
-          </a:p>
-          <a:p>
-            <a:endParaRPr dirty="0"/>
-          </a:p>
-          <a:p>
-            <a:r>
-              <a:rPr b="1" dirty="0"/>
+          <a:p/>
+          <a:p/>
+          <a:p>
+            <a:r>
+              <a:rPr b="1"/>
               <a:t> What this does</a:t>
             </a:r>
             <a:r>
-              <a:rPr dirty="0"/>
               <a:t> :</a:t>
             </a:r>
           </a:p>
           <a:p>
             <a:pPr lvl="1"/>
             <a:r>
-              <a:rPr dirty="0"/>
               <a:t> Uses cosine similarity to rank documents based on their semantic similarity to the query.</a:t>
             </a:r>
           </a:p>
@@ -3392,8 +3311,8 @@
         </p:blipFill>
         <p:spPr>
           <a:xfrm>
-            <a:off x="713994" y="1862931"/>
-            <a:ext cx="7944612" cy="748877"/>
+            <a:off x="0" y="1792224"/>
+            <a:ext cx="8915400" cy="913463"/>
           </a:xfrm>
           <a:prstGeom prst="rect">
             <a:avLst/>
@@ -3409,7 +3328,7 @@
 </file>
 
 <file path=ppt/slides/slide17.xml><?xml version="1.0" encoding="utf-8"?>
-<p:sld xmlns:a="http://schemas.openxmlformats.org/drawingml/2006/main" xmlns:r="http://schemas.openxmlformats.org/officeDocument/2006/relationships" xmlns:p="http://schemas.openxmlformats.org/presentationml/2006/main">
+<p:sld xmlns:a="http://schemas.openxmlformats.org/drawingml/2006/main" xmlns:p="http://schemas.openxmlformats.org/presentationml/2006/main" xmlns:r="http://schemas.openxmlformats.org/officeDocument/2006/relationships">
   <p:cSld>
     <p:spTree>
       <p:nvGrpSpPr>
@@ -3417,14 +3336,7 @@
         <p:cNvGrpSpPr/>
         <p:nvPr/>
       </p:nvGrpSpPr>
-      <p:grpSpPr>
-        <a:xfrm>
-          <a:off x="0" y="0"/>
-          <a:ext cx="0" cy="0"/>
-          <a:chOff x="0" y="0"/>
-          <a:chExt cx="0" cy="0"/>
-        </a:xfrm>
-      </p:grpSpPr>
+      <p:grpSpPr/>
       <p:sp>
         <p:nvSpPr>
           <p:cNvPr id="2" name="Title 1"/>
@@ -3540,7 +3452,7 @@
 </file>
 
 <file path=ppt/slides/slide18.xml><?xml version="1.0" encoding="utf-8"?>
-<p:sld xmlns:a="http://schemas.openxmlformats.org/drawingml/2006/main" xmlns:r="http://schemas.openxmlformats.org/officeDocument/2006/relationships" xmlns:p="http://schemas.openxmlformats.org/presentationml/2006/main">
+<p:sld xmlns:a="http://schemas.openxmlformats.org/drawingml/2006/main" xmlns:p="http://schemas.openxmlformats.org/presentationml/2006/main" xmlns:r="http://schemas.openxmlformats.org/officeDocument/2006/relationships">
   <p:cSld>
     <p:spTree>
       <p:nvGrpSpPr>
@@ -3548,14 +3460,7 @@
         <p:cNvGrpSpPr/>
         <p:nvPr/>
       </p:nvGrpSpPr>
-      <p:grpSpPr>
-        <a:xfrm>
-          <a:off x="0" y="0"/>
-          <a:ext cx="0" cy="0"/>
-          <a:chOff x="0" y="0"/>
-          <a:chExt cx="0" cy="0"/>
-        </a:xfrm>
-      </p:grpSpPr>
+      <p:grpSpPr/>
       <p:sp>
         <p:nvSpPr>
           <p:cNvPr id="2" name="Title 1"/>
@@ -3661,7 +3566,7 @@
 </file>
 
 <file path=ppt/slides/slide19.xml><?xml version="1.0" encoding="utf-8"?>
-<p:sld xmlns:a="http://schemas.openxmlformats.org/drawingml/2006/main" xmlns:r="http://schemas.openxmlformats.org/officeDocument/2006/relationships" xmlns:p="http://schemas.openxmlformats.org/presentationml/2006/main">
+<p:sld xmlns:a="http://schemas.openxmlformats.org/drawingml/2006/main" xmlns:p="http://schemas.openxmlformats.org/presentationml/2006/main" xmlns:r="http://schemas.openxmlformats.org/officeDocument/2006/relationships">
   <p:cSld>
     <p:spTree>
       <p:nvGrpSpPr>
@@ -3669,14 +3574,7 @@
         <p:cNvGrpSpPr/>
         <p:nvPr/>
       </p:nvGrpSpPr>
-      <p:grpSpPr>
-        <a:xfrm>
-          <a:off x="0" y="0"/>
-          <a:ext cx="0" cy="0"/>
-          <a:chOff x="0" y="0"/>
-          <a:chExt cx="0" cy="0"/>
-        </a:xfrm>
-      </p:grpSpPr>
+      <p:grpSpPr/>
       <p:sp>
         <p:nvSpPr>
           <p:cNvPr id="2" name="Subtitle 1"/>
@@ -3684,7 +3582,7 @@
             <a:spLocks noGrp="1"/>
           </p:cNvSpPr>
           <p:nvPr>
-            <p:ph type="subTitle" sz="quarter" idx="1"/>
+            <p:ph type="subTitle" idx="1" sz="quarter"/>
           </p:nvPr>
         </p:nvSpPr>
         <p:spPr/>
@@ -3697,8 +3595,14 @@
             </a:pPr>
             <a:r>
               <a:t>Keyword Search
-Embeddings
-Dense Retrieval
+</a:t>
+            </a:r>
+            <a:r>
+              <a:t>Embeddings
+</a:t>
+            </a:r>
+            <a:r>
+              <a:t>Dense Retrieval
 </a:t>
             </a:r>
             <a:r>
@@ -3736,6 +3640,9 @@
               </a:rPr>
               <a:t>ReRank</a:t>
             </a:r>
+            <a:endParaRPr sz="4200" b="1" i="0">
+              <a:latin typeface="Times New Roman"/>
+            </a:endParaRPr>
           </a:p>
         </p:txBody>
       </p:sp>
@@ -3781,7 +3688,7 @@
 </file>
 
 <file path=ppt/slides/slide2.xml><?xml version="1.0" encoding="utf-8"?>
-<p:sld xmlns:a="http://schemas.openxmlformats.org/drawingml/2006/main" xmlns:r="http://schemas.openxmlformats.org/officeDocument/2006/relationships" xmlns:p="http://schemas.openxmlformats.org/presentationml/2006/main">
+<p:sld xmlns:a="http://schemas.openxmlformats.org/drawingml/2006/main" xmlns:p="http://schemas.openxmlformats.org/presentationml/2006/main" xmlns:r="http://schemas.openxmlformats.org/officeDocument/2006/relationships">
   <p:cSld>
     <p:spTree>
       <p:nvGrpSpPr>
@@ -3789,14 +3696,7 @@
         <p:cNvGrpSpPr/>
         <p:nvPr/>
       </p:nvGrpSpPr>
-      <p:grpSpPr>
-        <a:xfrm>
-          <a:off x="0" y="0"/>
-          <a:ext cx="0" cy="0"/>
-          <a:chOff x="0" y="0"/>
-          <a:chExt cx="0" cy="0"/>
-        </a:xfrm>
-      </p:grpSpPr>
+      <p:grpSpPr/>
       <p:sp>
         <p:nvSpPr>
           <p:cNvPr id="2" name="Subtitle 1"/>
@@ -3804,7 +3704,7 @@
             <a:spLocks noGrp="1"/>
           </p:cNvSpPr>
           <p:nvPr>
-            <p:ph type="subTitle" sz="quarter" idx="1"/>
+            <p:ph type="subTitle" idx="1" sz="quarter"/>
           </p:nvPr>
         </p:nvSpPr>
         <p:spPr/>
@@ -3822,9 +3722,18 @@
             </a:r>
             <a:r>
               <a:t>Embeddings
-Dense Retrieval
-ReRank
-Generating Answers
+</a:t>
+            </a:r>
+            <a:r>
+              <a:t>Dense Retrieval
+</a:t>
+            </a:r>
+            <a:r>
+              <a:t>ReRank
+</a:t>
+            </a:r>
+            <a:r>
+              <a:t>Generating Answers
 </a:t>
             </a:r>
           </a:p>
@@ -3853,6 +3762,9 @@
               </a:rPr>
               <a:t>Keyword Search</a:t>
             </a:r>
+            <a:endParaRPr sz="4200" b="1" i="0">
+              <a:latin typeface="Times New Roman"/>
+            </a:endParaRPr>
           </a:p>
         </p:txBody>
       </p:sp>
@@ -3898,7 +3810,7 @@
 </file>
 
 <file path=ppt/slides/slide20.xml><?xml version="1.0" encoding="utf-8"?>
-<p:sld xmlns:a="http://schemas.openxmlformats.org/drawingml/2006/main" xmlns:r="http://schemas.openxmlformats.org/officeDocument/2006/relationships" xmlns:p="http://schemas.openxmlformats.org/presentationml/2006/main">
+<p:sld xmlns:a="http://schemas.openxmlformats.org/drawingml/2006/main" xmlns:p="http://schemas.openxmlformats.org/presentationml/2006/main" xmlns:r="http://schemas.openxmlformats.org/officeDocument/2006/relationships">
   <p:cSld>
     <p:spTree>
       <p:nvGrpSpPr>
@@ -3906,14 +3818,7 @@
         <p:cNvGrpSpPr/>
         <p:nvPr/>
       </p:nvGrpSpPr>
-      <p:grpSpPr>
-        <a:xfrm>
-          <a:off x="0" y="0"/>
-          <a:ext cx="0" cy="0"/>
-          <a:chOff x="0" y="0"/>
-          <a:chExt cx="0" cy="0"/>
-        </a:xfrm>
-      </p:grpSpPr>
+      <p:grpSpPr/>
       <p:sp>
         <p:nvSpPr>
           <p:cNvPr id="2" name="Title 1"/>
@@ -4041,7 +3946,7 @@
 </file>
 
 <file path=ppt/slides/slide21.xml><?xml version="1.0" encoding="utf-8"?>
-<p:sld xmlns:a="http://schemas.openxmlformats.org/drawingml/2006/main" xmlns:r="http://schemas.openxmlformats.org/officeDocument/2006/relationships" xmlns:p="http://schemas.openxmlformats.org/presentationml/2006/main">
+<p:sld xmlns:a="http://schemas.openxmlformats.org/drawingml/2006/main" xmlns:p="http://schemas.openxmlformats.org/presentationml/2006/main" xmlns:r="http://schemas.openxmlformats.org/officeDocument/2006/relationships">
   <p:cSld>
     <p:spTree>
       <p:nvGrpSpPr>
@@ -4049,14 +3954,7 @@
         <p:cNvGrpSpPr/>
         <p:nvPr/>
       </p:nvGrpSpPr>
-      <p:grpSpPr>
-        <a:xfrm>
-          <a:off x="0" y="0"/>
-          <a:ext cx="0" cy="0"/>
-          <a:chOff x="0" y="0"/>
-          <a:chExt cx="0" cy="0"/>
-        </a:xfrm>
-      </p:grpSpPr>
+      <p:grpSpPr/>
       <p:sp>
         <p:nvSpPr>
           <p:cNvPr id="2" name="Title 1"/>
@@ -4097,9 +3995,7 @@
               <a:t> Import required libraries:</a:t>
             </a:r>
           </a:p>
-          <a:p>
-            <a:endParaRPr/>
-          </a:p>
+          <a:p/>
         </p:txBody>
       </p:sp>
       <p:sp>
@@ -4151,8 +4047,8 @@
         </p:blipFill>
         <p:spPr>
           <a:xfrm>
-            <a:off x="704088" y="1634331"/>
-            <a:ext cx="6807200" cy="495300"/>
+            <a:off x="0" y="1353312"/>
+            <a:ext cx="6807200" cy="520700"/>
           </a:xfrm>
           <a:prstGeom prst="rect">
             <a:avLst/>
@@ -4168,7 +4064,7 @@
 </file>
 
 <file path=ppt/slides/slide22.xml><?xml version="1.0" encoding="utf-8"?>
-<p:sld xmlns:a="http://schemas.openxmlformats.org/drawingml/2006/main" xmlns:r="http://schemas.openxmlformats.org/officeDocument/2006/relationships" xmlns:p="http://schemas.openxmlformats.org/presentationml/2006/main">
+<p:sld xmlns:a="http://schemas.openxmlformats.org/drawingml/2006/main" xmlns:p="http://schemas.openxmlformats.org/presentationml/2006/main" xmlns:r="http://schemas.openxmlformats.org/officeDocument/2006/relationships">
   <p:cSld>
     <p:spTree>
       <p:nvGrpSpPr>
@@ -4176,14 +4072,7 @@
         <p:cNvGrpSpPr/>
         <p:nvPr/>
       </p:nvGrpSpPr>
-      <p:grpSpPr>
-        <a:xfrm>
-          <a:off x="0" y="0"/>
-          <a:ext cx="0" cy="0"/>
-          <a:chOff x="0" y="0"/>
-          <a:chExt cx="0" cy="0"/>
-        </a:xfrm>
-      </p:grpSpPr>
+      <p:grpSpPr/>
       <p:sp>
         <p:nvSpPr>
           <p:cNvPr id="2" name="Title 1"/>
@@ -4224,15 +4113,9 @@
               <a:t> Example:</a:t>
             </a:r>
           </a:p>
-          <a:p>
-            <a:endParaRPr/>
-          </a:p>
-          <a:p>
-            <a:endParaRPr/>
-          </a:p>
-          <a:p>
-            <a:endParaRPr/>
-          </a:p>
+          <a:p/>
+          <a:p/>
+          <a:p/>
           <a:p>
             <a:r>
               <a:rPr b="1"/>
@@ -4299,8 +4182,8 @@
         </p:blipFill>
         <p:spPr>
           <a:xfrm>
-            <a:off x="711144" y="1634331"/>
-            <a:ext cx="8433562" cy="990600"/>
+            <a:off x="0" y="1353312"/>
+            <a:ext cx="8915400" cy="906440"/>
           </a:xfrm>
           <a:prstGeom prst="rect">
             <a:avLst/>
@@ -4316,7 +4199,7 @@
 </file>
 
 <file path=ppt/slides/slide23.xml><?xml version="1.0" encoding="utf-8"?>
-<p:sld xmlns:a="http://schemas.openxmlformats.org/drawingml/2006/main" xmlns:r="http://schemas.openxmlformats.org/officeDocument/2006/relationships" xmlns:p="http://schemas.openxmlformats.org/presentationml/2006/main">
+<p:sld xmlns:a="http://schemas.openxmlformats.org/drawingml/2006/main" xmlns:p="http://schemas.openxmlformats.org/presentationml/2006/main" xmlns:r="http://schemas.openxmlformats.org/officeDocument/2006/relationships">
   <p:cSld>
     <p:spTree>
       <p:nvGrpSpPr>
@@ -4324,14 +4207,7 @@
         <p:cNvGrpSpPr/>
         <p:nvPr/>
       </p:nvGrpSpPr>
-      <p:grpSpPr>
-        <a:xfrm>
-          <a:off x="0" y="0"/>
-          <a:ext cx="0" cy="0"/>
-          <a:chOff x="0" y="0"/>
-          <a:chExt cx="0" cy="0"/>
-        </a:xfrm>
-      </p:grpSpPr>
+      <p:grpSpPr/>
       <p:sp>
         <p:nvSpPr>
           <p:cNvPr id="2" name="Title 1"/>
@@ -4438,7 +4314,7 @@
 </file>
 
 <file path=ppt/slides/slide24.xml><?xml version="1.0" encoding="utf-8"?>
-<p:sld xmlns:a="http://schemas.openxmlformats.org/drawingml/2006/main" xmlns:r="http://schemas.openxmlformats.org/officeDocument/2006/relationships" xmlns:p="http://schemas.openxmlformats.org/presentationml/2006/main">
+<p:sld xmlns:a="http://schemas.openxmlformats.org/drawingml/2006/main" xmlns:p="http://schemas.openxmlformats.org/presentationml/2006/main" xmlns:r="http://schemas.openxmlformats.org/officeDocument/2006/relationships">
   <p:cSld>
     <p:spTree>
       <p:nvGrpSpPr>
@@ -4446,14 +4322,7 @@
         <p:cNvGrpSpPr/>
         <p:nvPr/>
       </p:nvGrpSpPr>
-      <p:grpSpPr>
-        <a:xfrm>
-          <a:off x="0" y="0"/>
-          <a:ext cx="0" cy="0"/>
-          <a:chOff x="0" y="0"/>
-          <a:chExt cx="0" cy="0"/>
-        </a:xfrm>
-      </p:grpSpPr>
+      <p:grpSpPr/>
       <p:sp>
         <p:nvSpPr>
           <p:cNvPr id="2" name="Subtitle 1"/>
@@ -4461,7 +4330,7 @@
             <a:spLocks noGrp="1"/>
           </p:cNvSpPr>
           <p:nvPr>
-            <p:ph type="subTitle" sz="quarter" idx="1"/>
+            <p:ph type="subTitle" idx="1" sz="quarter"/>
           </p:nvPr>
         </p:nvSpPr>
         <p:spPr/>
@@ -4474,9 +4343,18 @@
             </a:pPr>
             <a:r>
               <a:t>Keyword Search
-Embeddings
-Dense Retrieval
-ReRank
+</a:t>
+            </a:r>
+            <a:r>
+              <a:t>Embeddings
+</a:t>
+            </a:r>
+            <a:r>
+              <a:t>Dense Retrieval
+</a:t>
+            </a:r>
+            <a:r>
+              <a:t>ReRank
 </a:t>
             </a:r>
             <a:r>
@@ -4510,6 +4388,9 @@
               </a:rPr>
               <a:t>Generating Answers</a:t>
             </a:r>
+            <a:endParaRPr sz="4200" b="1" i="0">
+              <a:latin typeface="Times New Roman"/>
+            </a:endParaRPr>
           </a:p>
         </p:txBody>
       </p:sp>
@@ -4555,7 +4436,7 @@
 </file>
 
 <file path=ppt/slides/slide25.xml><?xml version="1.0" encoding="utf-8"?>
-<p:sld xmlns:a="http://schemas.openxmlformats.org/drawingml/2006/main" xmlns:r="http://schemas.openxmlformats.org/officeDocument/2006/relationships" xmlns:p="http://schemas.openxmlformats.org/presentationml/2006/main">
+<p:sld xmlns:a="http://schemas.openxmlformats.org/drawingml/2006/main" xmlns:p="http://schemas.openxmlformats.org/presentationml/2006/main" xmlns:r="http://schemas.openxmlformats.org/officeDocument/2006/relationships">
   <p:cSld>
     <p:spTree>
       <p:nvGrpSpPr>
@@ -4563,14 +4444,7 @@
         <p:cNvGrpSpPr/>
         <p:nvPr/>
       </p:nvGrpSpPr>
-      <p:grpSpPr>
-        <a:xfrm>
-          <a:off x="0" y="0"/>
-          <a:ext cx="0" cy="0"/>
-          <a:chOff x="0" y="0"/>
-          <a:chExt cx="0" cy="0"/>
-        </a:xfrm>
-      </p:grpSpPr>
+      <p:grpSpPr/>
       <p:sp>
         <p:nvSpPr>
           <p:cNvPr id="2" name="Title 1"/>
@@ -4676,7 +4550,7 @@
 </file>
 
 <file path=ppt/slides/slide26.xml><?xml version="1.0" encoding="utf-8"?>
-<p:sld xmlns:a="http://schemas.openxmlformats.org/drawingml/2006/main" xmlns:r="http://schemas.openxmlformats.org/officeDocument/2006/relationships" xmlns:p="http://schemas.openxmlformats.org/presentationml/2006/main">
+<p:sld xmlns:a="http://schemas.openxmlformats.org/drawingml/2006/main" xmlns:p="http://schemas.openxmlformats.org/presentationml/2006/main" xmlns:r="http://schemas.openxmlformats.org/officeDocument/2006/relationships">
   <p:cSld>
     <p:spTree>
       <p:nvGrpSpPr>
@@ -4684,14 +4558,7 @@
         <p:cNvGrpSpPr/>
         <p:nvPr/>
       </p:nvGrpSpPr>
-      <p:grpSpPr>
-        <a:xfrm>
-          <a:off x="0" y="0"/>
-          <a:ext cx="0" cy="0"/>
-          <a:chOff x="0" y="0"/>
-          <a:chExt cx="0" cy="0"/>
-        </a:xfrm>
-      </p:grpSpPr>
+      <p:grpSpPr/>
       <p:sp>
         <p:nvSpPr>
           <p:cNvPr id="2" name="Title 1"/>
@@ -4732,18 +4599,10 @@
               <a:t> Example:</a:t>
             </a:r>
           </a:p>
-          <a:p>
-            <a:endParaRPr/>
-          </a:p>
-          <a:p>
-            <a:endParaRPr/>
-          </a:p>
-          <a:p>
-            <a:endParaRPr/>
-          </a:p>
-          <a:p>
-            <a:endParaRPr/>
-          </a:p>
+          <a:p/>
+          <a:p/>
+          <a:p/>
+          <a:p/>
         </p:txBody>
       </p:sp>
       <p:sp>
@@ -4795,8 +4654,8 @@
         </p:blipFill>
         <p:spPr>
           <a:xfrm>
-            <a:off x="704088" y="1558131"/>
-            <a:ext cx="8173212" cy="1696830"/>
+            <a:off x="0" y="1353312"/>
+            <a:ext cx="11684000" cy="2654300"/>
           </a:xfrm>
           <a:prstGeom prst="rect">
             <a:avLst/>
@@ -4812,7 +4671,7 @@
 </file>
 
 <file path=ppt/slides/slide27.xml><?xml version="1.0" encoding="utf-8"?>
-<p:sld xmlns:a="http://schemas.openxmlformats.org/drawingml/2006/main" xmlns:r="http://schemas.openxmlformats.org/officeDocument/2006/relationships" xmlns:p="http://schemas.openxmlformats.org/presentationml/2006/main">
+<p:sld xmlns:a="http://schemas.openxmlformats.org/drawingml/2006/main" xmlns:p="http://schemas.openxmlformats.org/presentationml/2006/main" xmlns:r="http://schemas.openxmlformats.org/officeDocument/2006/relationships">
   <p:cSld>
     <p:spTree>
       <p:nvGrpSpPr>
@@ -4820,14 +4679,7 @@
         <p:cNvGrpSpPr/>
         <p:nvPr/>
       </p:nvGrpSpPr>
-      <p:grpSpPr>
-        <a:xfrm>
-          <a:off x="0" y="0"/>
-          <a:ext cx="0" cy="0"/>
-          <a:chOff x="0" y="0"/>
-          <a:chExt cx="0" cy="0"/>
-        </a:xfrm>
-      </p:grpSpPr>
+      <p:grpSpPr/>
       <p:sp>
         <p:nvSpPr>
           <p:cNvPr id="2" name="Title 1"/>
@@ -4939,7 +4791,7 @@
 </file>
 
 <file path=ppt/slides/slide3.xml><?xml version="1.0" encoding="utf-8"?>
-<p:sld xmlns:a="http://schemas.openxmlformats.org/drawingml/2006/main" xmlns:r="http://schemas.openxmlformats.org/officeDocument/2006/relationships" xmlns:p="http://schemas.openxmlformats.org/presentationml/2006/main">
+<p:sld xmlns:a="http://schemas.openxmlformats.org/drawingml/2006/main" xmlns:p="http://schemas.openxmlformats.org/presentationml/2006/main" xmlns:r="http://schemas.openxmlformats.org/officeDocument/2006/relationships">
   <p:cSld>
     <p:spTree>
       <p:nvGrpSpPr>
@@ -4947,14 +4799,7 @@
         <p:cNvGrpSpPr/>
         <p:nvPr/>
       </p:nvGrpSpPr>
-      <p:grpSpPr>
-        <a:xfrm>
-          <a:off x="0" y="0"/>
-          <a:ext cx="0" cy="0"/>
-          <a:chOff x="0" y="0"/>
-          <a:chExt cx="0" cy="0"/>
-        </a:xfrm>
-      </p:grpSpPr>
+      <p:grpSpPr/>
       <p:sp>
         <p:nvSpPr>
           <p:cNvPr id="2" name="Title 1"/>
@@ -5081,7 +4926,7 @@
 </file>
 
 <file path=ppt/slides/slide4.xml><?xml version="1.0" encoding="utf-8"?>
-<p:sld xmlns:a="http://schemas.openxmlformats.org/drawingml/2006/main" xmlns:r="http://schemas.openxmlformats.org/officeDocument/2006/relationships" xmlns:p="http://schemas.openxmlformats.org/presentationml/2006/main">
+<p:sld xmlns:a="http://schemas.openxmlformats.org/drawingml/2006/main" xmlns:p="http://schemas.openxmlformats.org/presentationml/2006/main" xmlns:r="http://schemas.openxmlformats.org/officeDocument/2006/relationships">
   <p:cSld>
     <p:spTree>
       <p:nvGrpSpPr>
@@ -5089,14 +4934,7 @@
         <p:cNvGrpSpPr/>
         <p:nvPr/>
       </p:nvGrpSpPr>
-      <p:grpSpPr>
-        <a:xfrm>
-          <a:off x="0" y="0"/>
-          <a:ext cx="0" cy="0"/>
-          <a:chOff x="0" y="0"/>
-          <a:chExt cx="0" cy="0"/>
-        </a:xfrm>
-      </p:grpSpPr>
+      <p:grpSpPr/>
       <p:sp>
         <p:nvSpPr>
           <p:cNvPr id="2" name="Title 1"/>
@@ -5134,40 +4972,23 @@
           <a:lstStyle/>
           <a:p>
             <a:r>
-              <a:rPr dirty="0"/>
               <a:t> Import required libraries:</a:t>
             </a:r>
-            <a:endParaRPr lang="en-US" dirty="0"/>
-          </a:p>
-          <a:p>
-            <a:endParaRPr dirty="0"/>
-          </a:p>
-          <a:p>
-            <a:endParaRPr dirty="0"/>
-          </a:p>
-          <a:p>
-            <a:r>
-              <a:rPr b="1" dirty="0"/>
+          </a:p>
+          <a:p/>
+          <a:p>
+            <a:r>
+              <a:rPr b="1"/>
               <a:t> Key Insight</a:t>
             </a:r>
             <a:r>
-              <a:rPr dirty="0"/>
               <a:t> :</a:t>
             </a:r>
           </a:p>
           <a:p>
             <a:pPr lvl="1"/>
             <a:r>
-              <a:rPr dirty="0"/>
-              <a:t> </a:t>
-            </a:r>
-            <a:r>
-              <a:rPr dirty="0" err="1"/>
-              <a:t>CountVectorizer</a:t>
-            </a:r>
-            <a:r>
-              <a:rPr dirty="0"/>
-              <a:t> is a common tool for converting text into numerical form, enabling basic keyword matching.</a:t>
+              <a:t> CountVectorizer is a common tool for converting text into numerical form, enabling basic keyword matching.</a:t>
             </a:r>
           </a:p>
         </p:txBody>
@@ -5221,8 +5042,8 @@
         </p:blipFill>
         <p:spPr>
           <a:xfrm>
-            <a:off x="704088" y="1558131"/>
-            <a:ext cx="7487412" cy="568416"/>
+            <a:off x="0" y="1353312"/>
+            <a:ext cx="9702800" cy="787400"/>
           </a:xfrm>
           <a:prstGeom prst="rect">
             <a:avLst/>
@@ -5238,7 +5059,7 @@
 </file>
 
 <file path=ppt/slides/slide5.xml><?xml version="1.0" encoding="utf-8"?>
-<p:sld xmlns:a="http://schemas.openxmlformats.org/drawingml/2006/main" xmlns:r="http://schemas.openxmlformats.org/officeDocument/2006/relationships" xmlns:p="http://schemas.openxmlformats.org/presentationml/2006/main">
+<p:sld xmlns:a="http://schemas.openxmlformats.org/drawingml/2006/main" xmlns:p="http://schemas.openxmlformats.org/presentationml/2006/main" xmlns:r="http://schemas.openxmlformats.org/officeDocument/2006/relationships">
   <p:cSld>
     <p:spTree>
       <p:nvGrpSpPr>
@@ -5246,14 +5067,7 @@
         <p:cNvGrpSpPr/>
         <p:nvPr/>
       </p:nvGrpSpPr>
-      <p:grpSpPr>
-        <a:xfrm>
-          <a:off x="0" y="0"/>
-          <a:ext cx="0" cy="0"/>
-          <a:chOff x="0" y="0"/>
-          <a:chExt cx="0" cy="0"/>
-        </a:xfrm>
-      </p:grpSpPr>
+      <p:grpSpPr/>
       <p:sp>
         <p:nvSpPr>
           <p:cNvPr id="2" name="Title 1"/>
@@ -5291,50 +5105,31 @@
           <a:lstStyle/>
           <a:p>
             <a:r>
-              <a:rPr dirty="0"/>
               <a:t> Example of a simple keyword search:</a:t>
             </a:r>
-            <a:endParaRPr lang="en-US" dirty="0"/>
-          </a:p>
-          <a:p>
-            <a:endParaRPr lang="en-US" dirty="0"/>
-          </a:p>
-          <a:p>
-            <a:endParaRPr dirty="0"/>
-          </a:p>
-          <a:p>
-            <a:endParaRPr dirty="0"/>
-          </a:p>
-          <a:p>
-            <a:endParaRPr dirty="0"/>
-          </a:p>
-          <a:p>
-            <a:endParaRPr dirty="0"/>
-          </a:p>
-          <a:p>
-            <a:endParaRPr dirty="0"/>
-          </a:p>
-          <a:p>
-            <a:r>
-              <a:rPr b="1" dirty="0"/>
+          </a:p>
+          <a:p/>
+          <a:p/>
+          <a:p/>
+          <a:p/>
+          <a:p>
+            <a:r>
+              <a:rPr b="1"/>
               <a:t> What happens here</a:t>
             </a:r>
             <a:r>
-              <a:rPr dirty="0"/>
               <a:t> :</a:t>
             </a:r>
           </a:p>
           <a:p>
             <a:pPr lvl="1"/>
             <a:r>
-              <a:rPr dirty="0"/>
               <a:t> The query is converted into a numerical vector.</a:t>
             </a:r>
           </a:p>
           <a:p>
             <a:pPr lvl="1"/>
             <a:r>
-              <a:rPr dirty="0"/>
               <a:t> Similarities between the query and documents are calculated using dot product.</a:t>
             </a:r>
           </a:p>
@@ -5389,8 +5184,8 @@
         </p:blipFill>
         <p:spPr>
           <a:xfrm>
-            <a:off x="704088" y="1558131"/>
-            <a:ext cx="7487412" cy="2143272"/>
+            <a:off x="0" y="1353312"/>
+            <a:ext cx="10160000" cy="3187700"/>
           </a:xfrm>
           <a:prstGeom prst="rect">
             <a:avLst/>
@@ -5406,7 +5201,7 @@
 </file>
 
 <file path=ppt/slides/slide6.xml><?xml version="1.0" encoding="utf-8"?>
-<p:sld xmlns:a="http://schemas.openxmlformats.org/drawingml/2006/main" xmlns:r="http://schemas.openxmlformats.org/officeDocument/2006/relationships" xmlns:p="http://schemas.openxmlformats.org/presentationml/2006/main">
+<p:sld xmlns:a="http://schemas.openxmlformats.org/drawingml/2006/main" xmlns:p="http://schemas.openxmlformats.org/presentationml/2006/main" xmlns:r="http://schemas.openxmlformats.org/officeDocument/2006/relationships">
   <p:cSld>
     <p:spTree>
       <p:nvGrpSpPr>
@@ -5414,14 +5209,7 @@
         <p:cNvGrpSpPr/>
         <p:nvPr/>
       </p:nvGrpSpPr>
-      <p:grpSpPr>
-        <a:xfrm>
-          <a:off x="0" y="0"/>
-          <a:ext cx="0" cy="0"/>
-          <a:chOff x="0" y="0"/>
-          <a:chExt cx="0" cy="0"/>
-        </a:xfrm>
-      </p:grpSpPr>
+      <p:grpSpPr/>
       <p:sp>
         <p:nvSpPr>
           <p:cNvPr id="2" name="Title 1"/>
@@ -5537,7 +5325,7 @@
 </file>
 
 <file path=ppt/slides/slide7.xml><?xml version="1.0" encoding="utf-8"?>
-<p:sld xmlns:a="http://schemas.openxmlformats.org/drawingml/2006/main" xmlns:r="http://schemas.openxmlformats.org/officeDocument/2006/relationships" xmlns:p="http://schemas.openxmlformats.org/presentationml/2006/main">
+<p:sld xmlns:a="http://schemas.openxmlformats.org/drawingml/2006/main" xmlns:p="http://schemas.openxmlformats.org/presentationml/2006/main" xmlns:r="http://schemas.openxmlformats.org/officeDocument/2006/relationships">
   <p:cSld>
     <p:spTree>
       <p:nvGrpSpPr>
@@ -5545,14 +5333,7 @@
         <p:cNvGrpSpPr/>
         <p:nvPr/>
       </p:nvGrpSpPr>
-      <p:grpSpPr>
-        <a:xfrm>
-          <a:off x="0" y="0"/>
-          <a:ext cx="0" cy="0"/>
-          <a:chOff x="0" y="0"/>
-          <a:chExt cx="0" cy="0"/>
-        </a:xfrm>
-      </p:grpSpPr>
+      <p:grpSpPr/>
       <p:sp>
         <p:nvSpPr>
           <p:cNvPr id="2" name="Title 1"/>
@@ -5670,7 +5451,7 @@
 </file>
 
 <file path=ppt/slides/slide8.xml><?xml version="1.0" encoding="utf-8"?>
-<p:sld xmlns:a="http://schemas.openxmlformats.org/drawingml/2006/main" xmlns:r="http://schemas.openxmlformats.org/officeDocument/2006/relationships" xmlns:p="http://schemas.openxmlformats.org/presentationml/2006/main">
+<p:sld xmlns:a="http://schemas.openxmlformats.org/drawingml/2006/main" xmlns:p="http://schemas.openxmlformats.org/presentationml/2006/main" xmlns:r="http://schemas.openxmlformats.org/officeDocument/2006/relationships">
   <p:cSld>
     <p:spTree>
       <p:nvGrpSpPr>
@@ -5678,14 +5459,7 @@
         <p:cNvGrpSpPr/>
         <p:nvPr/>
       </p:nvGrpSpPr>
-      <p:grpSpPr>
-        <a:xfrm>
-          <a:off x="0" y="0"/>
-          <a:ext cx="0" cy="0"/>
-          <a:chOff x="0" y="0"/>
-          <a:chExt cx="0" cy="0"/>
-        </a:xfrm>
-      </p:grpSpPr>
+      <p:grpSpPr/>
       <p:sp>
         <p:nvSpPr>
           <p:cNvPr id="2" name="Subtitle 1"/>
@@ -5693,7 +5467,7 @@
             <a:spLocks noGrp="1"/>
           </p:cNvSpPr>
           <p:nvPr>
-            <p:ph type="subTitle" sz="quarter" idx="1"/>
+            <p:ph type="subTitle" idx="1" sz="quarter"/>
           </p:nvPr>
         </p:nvSpPr>
         <p:spPr/>
@@ -5715,8 +5489,14 @@
             </a:r>
             <a:r>
               <a:t>Dense Retrieval
-ReRank
-Generating Answers
+</a:t>
+            </a:r>
+            <a:r>
+              <a:t>ReRank
+</a:t>
+            </a:r>
+            <a:r>
+              <a:t>Generating Answers
 </a:t>
             </a:r>
           </a:p>
@@ -5745,6 +5525,9 @@
               </a:rPr>
               <a:t>Embeddings</a:t>
             </a:r>
+            <a:endParaRPr sz="4200" b="1" i="0">
+              <a:latin typeface="Times New Roman"/>
+            </a:endParaRPr>
           </a:p>
         </p:txBody>
       </p:sp>
@@ -5790,7 +5573,7 @@
 </file>
 
 <file path=ppt/slides/slide9.xml><?xml version="1.0" encoding="utf-8"?>
-<p:sld xmlns:a="http://schemas.openxmlformats.org/drawingml/2006/main" xmlns:r="http://schemas.openxmlformats.org/officeDocument/2006/relationships" xmlns:p="http://schemas.openxmlformats.org/presentationml/2006/main">
+<p:sld xmlns:a="http://schemas.openxmlformats.org/drawingml/2006/main" xmlns:p="http://schemas.openxmlformats.org/presentationml/2006/main" xmlns:r="http://schemas.openxmlformats.org/officeDocument/2006/relationships">
   <p:cSld>
     <p:spTree>
       <p:nvGrpSpPr>
@@ -5798,14 +5581,7 @@
         <p:cNvGrpSpPr/>
         <p:nvPr/>
       </p:nvGrpSpPr>
-      <p:grpSpPr>
-        <a:xfrm>
-          <a:off x="0" y="0"/>
-          <a:ext cx="0" cy="0"/>
-          <a:chOff x="0" y="0"/>
-          <a:chExt cx="0" cy="0"/>
-        </a:xfrm>
-      </p:grpSpPr>
+      <p:grpSpPr/>
       <p:sp>
         <p:nvSpPr>
           <p:cNvPr id="2" name="Title 1"/>
